--- a/mwri-labs-wepwnise-presentation.pptx
+++ b/mwri-labs-wepwnise-presentation.pptx
@@ -189,7 +189,7 @@
           <a:p>
             <a:fld id="{92BA5E9F-E6B7-407C-971A-EA18535AE401}" type="datetimeFigureOut">
               <a:rPr lang="en-GB" smtClean="0"/>
-              <a:t>22/05/2016</a:t>
+              <a:t>31/05/2016</a:t>
             </a:fld>
             <a:endParaRPr lang="en-GB"/>
           </a:p>
@@ -806,7 +806,11 @@
             </a:pPr>
             <a:r>
               <a:rPr lang="en-GB" baseline="0" dirty="0" smtClean="0"/>
-              <a:t>On the other hand, in Empire, it is even more disappointing where PowerShell is used once again. The Empire payload will make use of the popular download cradle to connect to your server and pull the second stage of the payload. This payload however, runs in pure PowerShell and does not need to inject shell code. This payload fails when PowerShell.exe is blocked.</a:t>
+              <a:t>The </a:t>
+            </a:r>
+            <a:r>
+              <a:rPr lang="en-GB" baseline="0" dirty="0" smtClean="0"/>
+              <a:t>Empire payload will make use of the popular download cradle to connect to your server and pull the second stage of the payload. This payload however, runs in pure PowerShell and does not need to inject shell code. This payload fails when PowerShell.exe is blocked.</a:t>
             </a:r>
           </a:p>
         </p:txBody>
@@ -4847,20 +4851,6 @@
               </a:rPr>
               <a:t>MWRI INTERNAL PROTECT</a:t>
             </a:r>
-            <a:endParaRPr kumimoji="0" lang="en-GB" sz="2400" b="0" i="0" u="none" strike="noStrike" cap="none" spc="0" normalizeH="0" baseline="0" dirty="0" smtClean="0">
-              <a:ln>
-                <a:noFill/>
-              </a:ln>
-              <a:solidFill>
-                <a:schemeClr val="bg2"/>
-              </a:solidFill>
-              <a:effectLst/>
-              <a:uFillTx/>
-              <a:latin typeface="Lucida Console" panose="020B0609040504020204" pitchFamily="49" charset="0"/>
-              <a:ea typeface="Helvetica Light"/>
-              <a:cs typeface="Helvetica Light"/>
-              <a:sym typeface="Helvetica Light"/>
-            </a:endParaRPr>
           </a:p>
         </p:txBody>
       </p:sp>
@@ -5581,12 +5571,23 @@
             <p:ph type="title"/>
           </p:nvPr>
         </p:nvSpPr>
-        <p:spPr/>
+        <p:spPr>
+          <a:xfrm>
+            <a:off x="1152985" y="1344620"/>
+            <a:ext cx="5151561" cy="647700"/>
+          </a:xfrm>
+        </p:spPr>
         <p:txBody>
-          <a:bodyPr/>
+          <a:bodyPr>
+            <a:normAutofit/>
+          </a:bodyPr>
           <a:lstStyle/>
           <a:p>
-            <a:endParaRPr lang="en-GB"/>
+            <a:r>
+              <a:rPr lang="en-GB" dirty="0" smtClean="0"/>
+              <a:t>Smart Implants</a:t>
+            </a:r>
+            <a:endParaRPr lang="en-GB" dirty="0"/>
           </a:p>
         </p:txBody>
       </p:sp>
@@ -5604,7 +5605,399 @@
   <p:timing>
     <p:tnLst>
       <p:par>
-        <p:cTn id="1" dur="indefinite" restart="never" nodeType="tmRoot"/>
+        <p:cTn id="1" dur="indefinite" restart="never" nodeType="tmRoot">
+          <p:childTnLst>
+            <p:seq concurrent="1" nextAc="seek">
+              <p:cTn id="2" dur="indefinite" nodeType="mainSeq">
+                <p:childTnLst>
+                  <p:par>
+                    <p:cTn id="3" fill="hold">
+                      <p:stCondLst>
+                        <p:cond delay="indefinite"/>
+                        <p:cond evt="onBegin" delay="0">
+                          <p:tn val="2"/>
+                        </p:cond>
+                      </p:stCondLst>
+                      <p:childTnLst>
+                        <p:par>
+                          <p:cTn id="4" fill="hold">
+                            <p:stCondLst>
+                              <p:cond delay="0"/>
+                            </p:stCondLst>
+                            <p:childTnLst>
+                              <p:par>
+                                <p:cTn id="5" presetID="9" presetClass="emph" presetSubtype="0" nodeType="withEffect">
+                                  <p:stCondLst>
+                                    <p:cond delay="0"/>
+                                  </p:stCondLst>
+                                  <p:childTnLst>
+                                    <p:set>
+                                      <p:cBhvr rctx="PPT">
+                                        <p:cTn id="6" dur="indefinite"/>
+                                        <p:tgtEl>
+                                          <p:spTgt spid="2">
+                                            <p:txEl>
+                                              <p:pRg st="0" end="0"/>
+                                            </p:txEl>
+                                          </p:spTgt>
+                                        </p:tgtEl>
+                                        <p:attrNameLst>
+                                          <p:attrName>style.opacity</p:attrName>
+                                        </p:attrNameLst>
+                                      </p:cBhvr>
+                                      <p:to>
+                                        <p:strVal val="0.25"/>
+                                      </p:to>
+                                    </p:set>
+                                    <p:animEffect filter="image" prLst="opacity: 0.25">
+                                      <p:cBhvr rctx="IE">
+                                        <p:cTn id="7" dur="indefinite"/>
+                                        <p:tgtEl>
+                                          <p:spTgt spid="2">
+                                            <p:txEl>
+                                              <p:pRg st="0" end="0"/>
+                                            </p:txEl>
+                                          </p:spTgt>
+                                        </p:tgtEl>
+                                      </p:cBhvr>
+                                    </p:animEffect>
+                                  </p:childTnLst>
+                                </p:cTn>
+                              </p:par>
+                              <p:par>
+                                <p:cTn id="8" presetID="9" presetClass="emph" presetSubtype="0" nodeType="withEffect">
+                                  <p:stCondLst>
+                                    <p:cond delay="0"/>
+                                  </p:stCondLst>
+                                  <p:childTnLst>
+                                    <p:set>
+                                      <p:cBhvr rctx="PPT">
+                                        <p:cTn id="9" dur="indefinite"/>
+                                        <p:tgtEl>
+                                          <p:spTgt spid="2">
+                                            <p:txEl>
+                                              <p:pRg st="1" end="1"/>
+                                            </p:txEl>
+                                          </p:spTgt>
+                                        </p:tgtEl>
+                                        <p:attrNameLst>
+                                          <p:attrName>style.opacity</p:attrName>
+                                        </p:attrNameLst>
+                                      </p:cBhvr>
+                                      <p:to>
+                                        <p:strVal val="0.25"/>
+                                      </p:to>
+                                    </p:set>
+                                    <p:animEffect filter="image" prLst="opacity: 0.25">
+                                      <p:cBhvr rctx="IE">
+                                        <p:cTn id="10" dur="indefinite"/>
+                                        <p:tgtEl>
+                                          <p:spTgt spid="2">
+                                            <p:txEl>
+                                              <p:pRg st="1" end="1"/>
+                                            </p:txEl>
+                                          </p:spTgt>
+                                        </p:tgtEl>
+                                      </p:cBhvr>
+                                    </p:animEffect>
+                                  </p:childTnLst>
+                                </p:cTn>
+                              </p:par>
+                              <p:par>
+                                <p:cTn id="11" presetID="9" presetClass="emph" presetSubtype="0" nodeType="withEffect">
+                                  <p:stCondLst>
+                                    <p:cond delay="0"/>
+                                  </p:stCondLst>
+                                  <p:childTnLst>
+                                    <p:set>
+                                      <p:cBhvr rctx="PPT">
+                                        <p:cTn id="12" dur="indefinite"/>
+                                        <p:tgtEl>
+                                          <p:spTgt spid="2">
+                                            <p:txEl>
+                                              <p:pRg st="2" end="2"/>
+                                            </p:txEl>
+                                          </p:spTgt>
+                                        </p:tgtEl>
+                                        <p:attrNameLst>
+                                          <p:attrName>style.opacity</p:attrName>
+                                        </p:attrNameLst>
+                                      </p:cBhvr>
+                                      <p:to>
+                                        <p:strVal val="0.25"/>
+                                      </p:to>
+                                    </p:set>
+                                    <p:animEffect filter="image" prLst="opacity: 0.25">
+                                      <p:cBhvr rctx="IE">
+                                        <p:cTn id="13" dur="indefinite"/>
+                                        <p:tgtEl>
+                                          <p:spTgt spid="2">
+                                            <p:txEl>
+                                              <p:pRg st="2" end="2"/>
+                                            </p:txEl>
+                                          </p:spTgt>
+                                        </p:tgtEl>
+                                      </p:cBhvr>
+                                    </p:animEffect>
+                                  </p:childTnLst>
+                                </p:cTn>
+                              </p:par>
+                              <p:par>
+                                <p:cTn id="14" presetID="9" presetClass="emph" presetSubtype="0" nodeType="withEffect">
+                                  <p:stCondLst>
+                                    <p:cond delay="0"/>
+                                  </p:stCondLst>
+                                  <p:childTnLst>
+                                    <p:set>
+                                      <p:cBhvr rctx="PPT">
+                                        <p:cTn id="15" dur="indefinite"/>
+                                        <p:tgtEl>
+                                          <p:spTgt spid="2">
+                                            <p:txEl>
+                                              <p:pRg st="0" end="0"/>
+                                            </p:txEl>
+                                          </p:spTgt>
+                                        </p:tgtEl>
+                                        <p:attrNameLst>
+                                          <p:attrName>style.opacity</p:attrName>
+                                        </p:attrNameLst>
+                                      </p:cBhvr>
+                                      <p:to>
+                                        <p:strVal val="1"/>
+                                      </p:to>
+                                    </p:set>
+                                    <p:animEffect filter="image" prLst="opacity: 1">
+                                      <p:cBhvr rctx="IE">
+                                        <p:cTn id="16" dur="indefinite"/>
+                                        <p:tgtEl>
+                                          <p:spTgt spid="2">
+                                            <p:txEl>
+                                              <p:pRg st="0" end="0"/>
+                                            </p:txEl>
+                                          </p:spTgt>
+                                        </p:tgtEl>
+                                      </p:cBhvr>
+                                    </p:animEffect>
+                                  </p:childTnLst>
+                                </p:cTn>
+                              </p:par>
+                            </p:childTnLst>
+                          </p:cTn>
+                        </p:par>
+                      </p:childTnLst>
+                    </p:cTn>
+                  </p:par>
+                  <p:par>
+                    <p:cTn id="17" fill="hold">
+                      <p:stCondLst>
+                        <p:cond delay="indefinite"/>
+                      </p:stCondLst>
+                      <p:childTnLst>
+                        <p:par>
+                          <p:cTn id="18" fill="hold">
+                            <p:stCondLst>
+                              <p:cond delay="0"/>
+                            </p:stCondLst>
+                            <p:childTnLst>
+                              <p:par>
+                                <p:cTn id="19" presetID="9" presetClass="emph" presetSubtype="0" nodeType="clickEffect">
+                                  <p:stCondLst>
+                                    <p:cond delay="0"/>
+                                  </p:stCondLst>
+                                  <p:childTnLst>
+                                    <p:set>
+                                      <p:cBhvr rctx="PPT">
+                                        <p:cTn id="20" dur="indefinite"/>
+                                        <p:tgtEl>
+                                          <p:spTgt spid="2">
+                                            <p:txEl>
+                                              <p:pRg st="1" end="1"/>
+                                            </p:txEl>
+                                          </p:spTgt>
+                                        </p:tgtEl>
+                                        <p:attrNameLst>
+                                          <p:attrName>style.opacity</p:attrName>
+                                        </p:attrNameLst>
+                                      </p:cBhvr>
+                                      <p:to>
+                                        <p:strVal val="1"/>
+                                      </p:to>
+                                    </p:set>
+                                    <p:animEffect filter="image" prLst="opacity: 1">
+                                      <p:cBhvr rctx="IE">
+                                        <p:cTn id="21" dur="indefinite"/>
+                                        <p:tgtEl>
+                                          <p:spTgt spid="2">
+                                            <p:txEl>
+                                              <p:pRg st="1" end="1"/>
+                                            </p:txEl>
+                                          </p:spTgt>
+                                        </p:tgtEl>
+                                      </p:cBhvr>
+                                    </p:animEffect>
+                                  </p:childTnLst>
+                                </p:cTn>
+                              </p:par>
+                              <p:par>
+                                <p:cTn id="22" presetID="9" presetClass="emph" presetSubtype="0" nodeType="withEffect">
+                                  <p:stCondLst>
+                                    <p:cond delay="0"/>
+                                  </p:stCondLst>
+                                  <p:childTnLst>
+                                    <p:set>
+                                      <p:cBhvr rctx="PPT">
+                                        <p:cTn id="23" dur="indefinite"/>
+                                        <p:tgtEl>
+                                          <p:spTgt spid="2">
+                                            <p:txEl>
+                                              <p:pRg st="0" end="0"/>
+                                            </p:txEl>
+                                          </p:spTgt>
+                                        </p:tgtEl>
+                                        <p:attrNameLst>
+                                          <p:attrName>style.opacity</p:attrName>
+                                        </p:attrNameLst>
+                                      </p:cBhvr>
+                                      <p:to>
+                                        <p:strVal val="0.25"/>
+                                      </p:to>
+                                    </p:set>
+                                    <p:animEffect filter="image" prLst="opacity: 0.25">
+                                      <p:cBhvr rctx="IE">
+                                        <p:cTn id="24" dur="indefinite"/>
+                                        <p:tgtEl>
+                                          <p:spTgt spid="2">
+                                            <p:txEl>
+                                              <p:pRg st="0" end="0"/>
+                                            </p:txEl>
+                                          </p:spTgt>
+                                        </p:tgtEl>
+                                      </p:cBhvr>
+                                    </p:animEffect>
+                                  </p:childTnLst>
+                                </p:cTn>
+                              </p:par>
+                            </p:childTnLst>
+                          </p:cTn>
+                        </p:par>
+                      </p:childTnLst>
+                    </p:cTn>
+                  </p:par>
+                  <p:par>
+                    <p:cTn id="25" fill="hold">
+                      <p:stCondLst>
+                        <p:cond delay="indefinite"/>
+                      </p:stCondLst>
+                      <p:childTnLst>
+                        <p:par>
+                          <p:cTn id="26" fill="hold">
+                            <p:stCondLst>
+                              <p:cond delay="0"/>
+                            </p:stCondLst>
+                            <p:childTnLst>
+                              <p:par>
+                                <p:cTn id="27" presetID="9" presetClass="emph" presetSubtype="0" nodeType="clickEffect">
+                                  <p:stCondLst>
+                                    <p:cond delay="0"/>
+                                  </p:stCondLst>
+                                  <p:childTnLst>
+                                    <p:set>
+                                      <p:cBhvr rctx="PPT">
+                                        <p:cTn id="28" dur="indefinite"/>
+                                        <p:tgtEl>
+                                          <p:spTgt spid="2">
+                                            <p:txEl>
+                                              <p:pRg st="2" end="2"/>
+                                            </p:txEl>
+                                          </p:spTgt>
+                                        </p:tgtEl>
+                                        <p:attrNameLst>
+                                          <p:attrName>style.opacity</p:attrName>
+                                        </p:attrNameLst>
+                                      </p:cBhvr>
+                                      <p:to>
+                                        <p:strVal val="1"/>
+                                      </p:to>
+                                    </p:set>
+                                    <p:animEffect filter="image" prLst="opacity: 1">
+                                      <p:cBhvr rctx="IE">
+                                        <p:cTn id="29" dur="indefinite"/>
+                                        <p:tgtEl>
+                                          <p:spTgt spid="2">
+                                            <p:txEl>
+                                              <p:pRg st="2" end="2"/>
+                                            </p:txEl>
+                                          </p:spTgt>
+                                        </p:tgtEl>
+                                      </p:cBhvr>
+                                    </p:animEffect>
+                                  </p:childTnLst>
+                                </p:cTn>
+                              </p:par>
+                              <p:par>
+                                <p:cTn id="30" presetID="9" presetClass="emph" presetSubtype="0" nodeType="withEffect">
+                                  <p:stCondLst>
+                                    <p:cond delay="0"/>
+                                  </p:stCondLst>
+                                  <p:childTnLst>
+                                    <p:set>
+                                      <p:cBhvr rctx="PPT">
+                                        <p:cTn id="31" dur="indefinite"/>
+                                        <p:tgtEl>
+                                          <p:spTgt spid="2">
+                                            <p:txEl>
+                                              <p:pRg st="1" end="1"/>
+                                            </p:txEl>
+                                          </p:spTgt>
+                                        </p:tgtEl>
+                                        <p:attrNameLst>
+                                          <p:attrName>style.opacity</p:attrName>
+                                        </p:attrNameLst>
+                                      </p:cBhvr>
+                                      <p:to>
+                                        <p:strVal val="0.25"/>
+                                      </p:to>
+                                    </p:set>
+                                    <p:animEffect filter="image" prLst="opacity: 0.25">
+                                      <p:cBhvr rctx="IE">
+                                        <p:cTn id="32" dur="indefinite"/>
+                                        <p:tgtEl>
+                                          <p:spTgt spid="2">
+                                            <p:txEl>
+                                              <p:pRg st="1" end="1"/>
+                                            </p:txEl>
+                                          </p:spTgt>
+                                        </p:tgtEl>
+                                      </p:cBhvr>
+                                    </p:animEffect>
+                                  </p:childTnLst>
+                                </p:cTn>
+                              </p:par>
+                            </p:childTnLst>
+                          </p:cTn>
+                        </p:par>
+                      </p:childTnLst>
+                    </p:cTn>
+                  </p:par>
+                </p:childTnLst>
+              </p:cTn>
+              <p:prevCondLst>
+                <p:cond evt="onPrev" delay="0">
+                  <p:tgtEl>
+                    <p:sldTgt/>
+                  </p:tgtEl>
+                </p:cond>
+              </p:prevCondLst>
+              <p:nextCondLst>
+                <p:cond evt="onNext" delay="0">
+                  <p:tgtEl>
+                    <p:sldTgt/>
+                  </p:tgtEl>
+                </p:cond>
+              </p:nextCondLst>
+            </p:seq>
+          </p:childTnLst>
+        </p:cTn>
       </p:par>
     </p:tnLst>
   </p:timing>
@@ -5758,7 +6151,399 @@
   <p:timing>
     <p:tnLst>
       <p:par>
-        <p:cTn id="1" dur="indefinite" restart="never" nodeType="tmRoot"/>
+        <p:cTn id="1" dur="indefinite" restart="never" nodeType="tmRoot">
+          <p:childTnLst>
+            <p:seq concurrent="1" nextAc="seek">
+              <p:cTn id="2" dur="indefinite" nodeType="mainSeq">
+                <p:childTnLst>
+                  <p:par>
+                    <p:cTn id="3" fill="hold">
+                      <p:stCondLst>
+                        <p:cond delay="indefinite"/>
+                        <p:cond evt="onBegin" delay="0">
+                          <p:tn val="2"/>
+                        </p:cond>
+                      </p:stCondLst>
+                      <p:childTnLst>
+                        <p:par>
+                          <p:cTn id="4" fill="hold">
+                            <p:stCondLst>
+                              <p:cond delay="0"/>
+                            </p:stCondLst>
+                            <p:childTnLst>
+                              <p:par>
+                                <p:cTn id="5" presetID="9" presetClass="emph" presetSubtype="0" nodeType="withEffect">
+                                  <p:stCondLst>
+                                    <p:cond delay="0"/>
+                                  </p:stCondLst>
+                                  <p:childTnLst>
+                                    <p:set>
+                                      <p:cBhvr rctx="PPT">
+                                        <p:cTn id="6" dur="indefinite"/>
+                                        <p:tgtEl>
+                                          <p:spTgt spid="2">
+                                            <p:txEl>
+                                              <p:pRg st="0" end="0"/>
+                                            </p:txEl>
+                                          </p:spTgt>
+                                        </p:tgtEl>
+                                        <p:attrNameLst>
+                                          <p:attrName>style.opacity</p:attrName>
+                                        </p:attrNameLst>
+                                      </p:cBhvr>
+                                      <p:to>
+                                        <p:strVal val="0.25"/>
+                                      </p:to>
+                                    </p:set>
+                                    <p:animEffect filter="image" prLst="opacity: 0.25">
+                                      <p:cBhvr rctx="IE">
+                                        <p:cTn id="7" dur="indefinite"/>
+                                        <p:tgtEl>
+                                          <p:spTgt spid="2">
+                                            <p:txEl>
+                                              <p:pRg st="0" end="0"/>
+                                            </p:txEl>
+                                          </p:spTgt>
+                                        </p:tgtEl>
+                                      </p:cBhvr>
+                                    </p:animEffect>
+                                  </p:childTnLst>
+                                </p:cTn>
+                              </p:par>
+                              <p:par>
+                                <p:cTn id="8" presetID="9" presetClass="emph" presetSubtype="0" nodeType="withEffect">
+                                  <p:stCondLst>
+                                    <p:cond delay="0"/>
+                                  </p:stCondLst>
+                                  <p:childTnLst>
+                                    <p:set>
+                                      <p:cBhvr rctx="PPT">
+                                        <p:cTn id="9" dur="indefinite"/>
+                                        <p:tgtEl>
+                                          <p:spTgt spid="2">
+                                            <p:txEl>
+                                              <p:pRg st="1" end="1"/>
+                                            </p:txEl>
+                                          </p:spTgt>
+                                        </p:tgtEl>
+                                        <p:attrNameLst>
+                                          <p:attrName>style.opacity</p:attrName>
+                                        </p:attrNameLst>
+                                      </p:cBhvr>
+                                      <p:to>
+                                        <p:strVal val="0.25"/>
+                                      </p:to>
+                                    </p:set>
+                                    <p:animEffect filter="image" prLst="opacity: 0.25">
+                                      <p:cBhvr rctx="IE">
+                                        <p:cTn id="10" dur="indefinite"/>
+                                        <p:tgtEl>
+                                          <p:spTgt spid="2">
+                                            <p:txEl>
+                                              <p:pRg st="1" end="1"/>
+                                            </p:txEl>
+                                          </p:spTgt>
+                                        </p:tgtEl>
+                                      </p:cBhvr>
+                                    </p:animEffect>
+                                  </p:childTnLst>
+                                </p:cTn>
+                              </p:par>
+                              <p:par>
+                                <p:cTn id="11" presetID="9" presetClass="emph" presetSubtype="0" nodeType="withEffect">
+                                  <p:stCondLst>
+                                    <p:cond delay="0"/>
+                                  </p:stCondLst>
+                                  <p:childTnLst>
+                                    <p:set>
+                                      <p:cBhvr rctx="PPT">
+                                        <p:cTn id="12" dur="indefinite"/>
+                                        <p:tgtEl>
+                                          <p:spTgt spid="2">
+                                            <p:txEl>
+                                              <p:pRg st="2" end="2"/>
+                                            </p:txEl>
+                                          </p:spTgt>
+                                        </p:tgtEl>
+                                        <p:attrNameLst>
+                                          <p:attrName>style.opacity</p:attrName>
+                                        </p:attrNameLst>
+                                      </p:cBhvr>
+                                      <p:to>
+                                        <p:strVal val="0.25"/>
+                                      </p:to>
+                                    </p:set>
+                                    <p:animEffect filter="image" prLst="opacity: 0.25">
+                                      <p:cBhvr rctx="IE">
+                                        <p:cTn id="13" dur="indefinite"/>
+                                        <p:tgtEl>
+                                          <p:spTgt spid="2">
+                                            <p:txEl>
+                                              <p:pRg st="2" end="2"/>
+                                            </p:txEl>
+                                          </p:spTgt>
+                                        </p:tgtEl>
+                                      </p:cBhvr>
+                                    </p:animEffect>
+                                  </p:childTnLst>
+                                </p:cTn>
+                              </p:par>
+                              <p:par>
+                                <p:cTn id="14" presetID="9" presetClass="emph" presetSubtype="0" nodeType="withEffect">
+                                  <p:stCondLst>
+                                    <p:cond delay="0"/>
+                                  </p:stCondLst>
+                                  <p:childTnLst>
+                                    <p:set>
+                                      <p:cBhvr rctx="PPT">
+                                        <p:cTn id="15" dur="indefinite"/>
+                                        <p:tgtEl>
+                                          <p:spTgt spid="2">
+                                            <p:txEl>
+                                              <p:pRg st="0" end="0"/>
+                                            </p:txEl>
+                                          </p:spTgt>
+                                        </p:tgtEl>
+                                        <p:attrNameLst>
+                                          <p:attrName>style.opacity</p:attrName>
+                                        </p:attrNameLst>
+                                      </p:cBhvr>
+                                      <p:to>
+                                        <p:strVal val="1"/>
+                                      </p:to>
+                                    </p:set>
+                                    <p:animEffect filter="image" prLst="opacity: 1">
+                                      <p:cBhvr rctx="IE">
+                                        <p:cTn id="16" dur="indefinite"/>
+                                        <p:tgtEl>
+                                          <p:spTgt spid="2">
+                                            <p:txEl>
+                                              <p:pRg st="0" end="0"/>
+                                            </p:txEl>
+                                          </p:spTgt>
+                                        </p:tgtEl>
+                                      </p:cBhvr>
+                                    </p:animEffect>
+                                  </p:childTnLst>
+                                </p:cTn>
+                              </p:par>
+                            </p:childTnLst>
+                          </p:cTn>
+                        </p:par>
+                      </p:childTnLst>
+                    </p:cTn>
+                  </p:par>
+                  <p:par>
+                    <p:cTn id="17" fill="hold">
+                      <p:stCondLst>
+                        <p:cond delay="indefinite"/>
+                      </p:stCondLst>
+                      <p:childTnLst>
+                        <p:par>
+                          <p:cTn id="18" fill="hold">
+                            <p:stCondLst>
+                              <p:cond delay="0"/>
+                            </p:stCondLst>
+                            <p:childTnLst>
+                              <p:par>
+                                <p:cTn id="19" presetID="9" presetClass="emph" presetSubtype="0" nodeType="clickEffect">
+                                  <p:stCondLst>
+                                    <p:cond delay="0"/>
+                                  </p:stCondLst>
+                                  <p:childTnLst>
+                                    <p:set>
+                                      <p:cBhvr rctx="PPT">
+                                        <p:cTn id="20" dur="indefinite"/>
+                                        <p:tgtEl>
+                                          <p:spTgt spid="2">
+                                            <p:txEl>
+                                              <p:pRg st="1" end="1"/>
+                                            </p:txEl>
+                                          </p:spTgt>
+                                        </p:tgtEl>
+                                        <p:attrNameLst>
+                                          <p:attrName>style.opacity</p:attrName>
+                                        </p:attrNameLst>
+                                      </p:cBhvr>
+                                      <p:to>
+                                        <p:strVal val="1"/>
+                                      </p:to>
+                                    </p:set>
+                                    <p:animEffect filter="image" prLst="opacity: 1">
+                                      <p:cBhvr rctx="IE">
+                                        <p:cTn id="21" dur="indefinite"/>
+                                        <p:tgtEl>
+                                          <p:spTgt spid="2">
+                                            <p:txEl>
+                                              <p:pRg st="1" end="1"/>
+                                            </p:txEl>
+                                          </p:spTgt>
+                                        </p:tgtEl>
+                                      </p:cBhvr>
+                                    </p:animEffect>
+                                  </p:childTnLst>
+                                </p:cTn>
+                              </p:par>
+                              <p:par>
+                                <p:cTn id="22" presetID="9" presetClass="emph" presetSubtype="0" nodeType="withEffect">
+                                  <p:stCondLst>
+                                    <p:cond delay="0"/>
+                                  </p:stCondLst>
+                                  <p:childTnLst>
+                                    <p:set>
+                                      <p:cBhvr rctx="PPT">
+                                        <p:cTn id="23" dur="indefinite"/>
+                                        <p:tgtEl>
+                                          <p:spTgt spid="2">
+                                            <p:txEl>
+                                              <p:pRg st="0" end="0"/>
+                                            </p:txEl>
+                                          </p:spTgt>
+                                        </p:tgtEl>
+                                        <p:attrNameLst>
+                                          <p:attrName>style.opacity</p:attrName>
+                                        </p:attrNameLst>
+                                      </p:cBhvr>
+                                      <p:to>
+                                        <p:strVal val="0.25"/>
+                                      </p:to>
+                                    </p:set>
+                                    <p:animEffect filter="image" prLst="opacity: 0.25">
+                                      <p:cBhvr rctx="IE">
+                                        <p:cTn id="24" dur="indefinite"/>
+                                        <p:tgtEl>
+                                          <p:spTgt spid="2">
+                                            <p:txEl>
+                                              <p:pRg st="0" end="0"/>
+                                            </p:txEl>
+                                          </p:spTgt>
+                                        </p:tgtEl>
+                                      </p:cBhvr>
+                                    </p:animEffect>
+                                  </p:childTnLst>
+                                </p:cTn>
+                              </p:par>
+                            </p:childTnLst>
+                          </p:cTn>
+                        </p:par>
+                      </p:childTnLst>
+                    </p:cTn>
+                  </p:par>
+                  <p:par>
+                    <p:cTn id="25" fill="hold">
+                      <p:stCondLst>
+                        <p:cond delay="indefinite"/>
+                      </p:stCondLst>
+                      <p:childTnLst>
+                        <p:par>
+                          <p:cTn id="26" fill="hold">
+                            <p:stCondLst>
+                              <p:cond delay="0"/>
+                            </p:stCondLst>
+                            <p:childTnLst>
+                              <p:par>
+                                <p:cTn id="27" presetID="9" presetClass="emph" presetSubtype="0" nodeType="clickEffect">
+                                  <p:stCondLst>
+                                    <p:cond delay="0"/>
+                                  </p:stCondLst>
+                                  <p:childTnLst>
+                                    <p:set>
+                                      <p:cBhvr rctx="PPT">
+                                        <p:cTn id="28" dur="indefinite"/>
+                                        <p:tgtEl>
+                                          <p:spTgt spid="2">
+                                            <p:txEl>
+                                              <p:pRg st="2" end="2"/>
+                                            </p:txEl>
+                                          </p:spTgt>
+                                        </p:tgtEl>
+                                        <p:attrNameLst>
+                                          <p:attrName>style.opacity</p:attrName>
+                                        </p:attrNameLst>
+                                      </p:cBhvr>
+                                      <p:to>
+                                        <p:strVal val="1"/>
+                                      </p:to>
+                                    </p:set>
+                                    <p:animEffect filter="image" prLst="opacity: 1">
+                                      <p:cBhvr rctx="IE">
+                                        <p:cTn id="29" dur="indefinite"/>
+                                        <p:tgtEl>
+                                          <p:spTgt spid="2">
+                                            <p:txEl>
+                                              <p:pRg st="2" end="2"/>
+                                            </p:txEl>
+                                          </p:spTgt>
+                                        </p:tgtEl>
+                                      </p:cBhvr>
+                                    </p:animEffect>
+                                  </p:childTnLst>
+                                </p:cTn>
+                              </p:par>
+                              <p:par>
+                                <p:cTn id="30" presetID="9" presetClass="emph" presetSubtype="0" nodeType="withEffect">
+                                  <p:stCondLst>
+                                    <p:cond delay="0"/>
+                                  </p:stCondLst>
+                                  <p:childTnLst>
+                                    <p:set>
+                                      <p:cBhvr rctx="PPT">
+                                        <p:cTn id="31" dur="indefinite"/>
+                                        <p:tgtEl>
+                                          <p:spTgt spid="2">
+                                            <p:txEl>
+                                              <p:pRg st="1" end="1"/>
+                                            </p:txEl>
+                                          </p:spTgt>
+                                        </p:tgtEl>
+                                        <p:attrNameLst>
+                                          <p:attrName>style.opacity</p:attrName>
+                                        </p:attrNameLst>
+                                      </p:cBhvr>
+                                      <p:to>
+                                        <p:strVal val="0.25"/>
+                                      </p:to>
+                                    </p:set>
+                                    <p:animEffect filter="image" prLst="opacity: 0.25">
+                                      <p:cBhvr rctx="IE">
+                                        <p:cTn id="32" dur="indefinite"/>
+                                        <p:tgtEl>
+                                          <p:spTgt spid="2">
+                                            <p:txEl>
+                                              <p:pRg st="1" end="1"/>
+                                            </p:txEl>
+                                          </p:spTgt>
+                                        </p:tgtEl>
+                                      </p:cBhvr>
+                                    </p:animEffect>
+                                  </p:childTnLst>
+                                </p:cTn>
+                              </p:par>
+                            </p:childTnLst>
+                          </p:cTn>
+                        </p:par>
+                      </p:childTnLst>
+                    </p:cTn>
+                  </p:par>
+                </p:childTnLst>
+              </p:cTn>
+              <p:prevCondLst>
+                <p:cond evt="onPrev" delay="0">
+                  <p:tgtEl>
+                    <p:sldTgt/>
+                  </p:tgtEl>
+                </p:cond>
+              </p:prevCondLst>
+              <p:nextCondLst>
+                <p:cond evt="onNext" delay="0">
+                  <p:tgtEl>
+                    <p:sldTgt/>
+                  </p:tgtEl>
+                </p:cond>
+              </p:nextCondLst>
+            </p:seq>
+          </p:childTnLst>
+        </p:cTn>
       </p:par>
     </p:tnLst>
   </p:timing>
